--- a/_0. DWH/Projects/Arina_Marchenko/Presentation.pptx
+++ b/_0. DWH/Projects/Arina_Marchenko/Presentation.pptx
@@ -252,7 +252,7 @@
             <a:fld id="{EA9F7FF7-50CD-D74F-8521-E72DB68B670C}" type="datetimeFigureOut">
               <a:rPr lang="en-US" smtClean="0"/>
               <a:pPr/>
-              <a:t>12/2/2017</a:t>
+              <a:t>12/5/2017</a:t>
             </a:fld>
             <a:endParaRPr lang="en-US"/>
           </a:p>
@@ -420,7 +420,7 @@
             <a:fld id="{9DD1DD9B-E140-4D76-B427-DF4838D859EA}" type="datetimeFigureOut">
               <a:rPr lang="en-US" smtClean="0"/>
               <a:pPr/>
-              <a:t>12/2/2017</a:t>
+              <a:t>12/5/2017</a:t>
             </a:fld>
             <a:endParaRPr lang="en-US"/>
           </a:p>
@@ -7077,14 +7077,24 @@
               </a:lnSpc>
             </a:pPr>
             <a:r>
-              <a:rPr lang="en-US" dirty="0" smtClean="0">
+              <a:rPr lang="en-US" dirty="0">
                 <a:solidFill>
                   <a:srgbClr val="444444"/>
                 </a:solidFill>
                 <a:latin typeface="Trebuchet MS"/>
                 <a:cs typeface="Trebuchet MS"/>
               </a:rPr>
-              <a:t>SLS</a:t>
+              <a:t>C</a:t>
+            </a:r>
+            <a:r>
+              <a:rPr lang="en-US" dirty="0" smtClean="0">
+                <a:solidFill>
+                  <a:srgbClr val="444444"/>
+                </a:solidFill>
+                <a:latin typeface="Trebuchet MS"/>
+                <a:cs typeface="Trebuchet MS"/>
+              </a:rPr>
+              <a:t>LS</a:t>
             </a:r>
             <a:endParaRPr lang="en-US" dirty="0">
               <a:solidFill>
@@ -7124,14 +7134,24 @@
               </a:lnSpc>
             </a:pPr>
             <a:r>
-              <a:rPr lang="en-US" dirty="0" smtClean="0">
+              <a:rPr lang="en-US" dirty="0">
                 <a:solidFill>
                   <a:srgbClr val="444444"/>
                 </a:solidFill>
                 <a:latin typeface="Trebuchet MS"/>
                 <a:cs typeface="Trebuchet MS"/>
               </a:rPr>
-              <a:t>SLS</a:t>
+              <a:t>C</a:t>
+            </a:r>
+            <a:r>
+              <a:rPr lang="en-US" dirty="0" smtClean="0">
+                <a:solidFill>
+                  <a:srgbClr val="444444"/>
+                </a:solidFill>
+                <a:latin typeface="Trebuchet MS"/>
+                <a:cs typeface="Trebuchet MS"/>
+              </a:rPr>
+              <a:t>LS</a:t>
             </a:r>
             <a:endParaRPr lang="en-US" dirty="0">
               <a:solidFill>
@@ -7171,14 +7191,24 @@
               </a:lnSpc>
             </a:pPr>
             <a:r>
-              <a:rPr lang="en-US" dirty="0" smtClean="0">
+              <a:rPr lang="en-US" dirty="0">
                 <a:solidFill>
                   <a:srgbClr val="444444"/>
                 </a:solidFill>
                 <a:latin typeface="Trebuchet MS"/>
                 <a:cs typeface="Trebuchet MS"/>
               </a:rPr>
-              <a:t>SLS</a:t>
+              <a:t>C</a:t>
+            </a:r>
+            <a:r>
+              <a:rPr lang="en-US" dirty="0" smtClean="0">
+                <a:solidFill>
+                  <a:srgbClr val="444444"/>
+                </a:solidFill>
+                <a:latin typeface="Trebuchet MS"/>
+                <a:cs typeface="Trebuchet MS"/>
+              </a:rPr>
+              <a:t>LS</a:t>
             </a:r>
             <a:endParaRPr lang="en-US" dirty="0">
               <a:solidFill>
@@ -7275,14 +7305,24 @@
               </a:lnSpc>
             </a:pPr>
             <a:r>
-              <a:rPr lang="en-US" dirty="0" smtClean="0">
+              <a:rPr lang="en-US" dirty="0">
                 <a:solidFill>
                   <a:srgbClr val="444444"/>
                 </a:solidFill>
                 <a:latin typeface="Trebuchet MS"/>
                 <a:cs typeface="Trebuchet MS"/>
               </a:rPr>
-              <a:t>SLS</a:t>
+              <a:t>C</a:t>
+            </a:r>
+            <a:r>
+              <a:rPr lang="en-US" dirty="0" smtClean="0">
+                <a:solidFill>
+                  <a:srgbClr val="444444"/>
+                </a:solidFill>
+                <a:latin typeface="Trebuchet MS"/>
+                <a:cs typeface="Trebuchet MS"/>
+              </a:rPr>
+              <a:t>LS</a:t>
             </a:r>
             <a:endParaRPr lang="en-US" dirty="0">
               <a:solidFill>
@@ -7322,14 +7362,24 @@
               </a:lnSpc>
             </a:pPr>
             <a:r>
-              <a:rPr lang="en-US" dirty="0" smtClean="0">
+              <a:rPr lang="en-US" dirty="0">
                 <a:solidFill>
                   <a:srgbClr val="444444"/>
                 </a:solidFill>
                 <a:latin typeface="Trebuchet MS"/>
                 <a:cs typeface="Trebuchet MS"/>
               </a:rPr>
-              <a:t>SLS</a:t>
+              <a:t>C</a:t>
+            </a:r>
+            <a:r>
+              <a:rPr lang="en-US" dirty="0" smtClean="0">
+                <a:solidFill>
+                  <a:srgbClr val="444444"/>
+                </a:solidFill>
+                <a:latin typeface="Trebuchet MS"/>
+                <a:cs typeface="Trebuchet MS"/>
+              </a:rPr>
+              <a:t>LS</a:t>
             </a:r>
             <a:endParaRPr lang="en-US" dirty="0">
               <a:solidFill>
